--- a/AJP Slides/AJP (01ce0502) - Unit 3 - J2EE & Web Development.pptx
+++ b/AJP Slides/AJP (01ce0502) - Unit 3 - J2EE & Web Development.pptx
@@ -240,7 +240,7 @@
           <a:p>
             <a:fld id="{EBCDB223-1744-4BBC-9844-9773C6B7C09F}" type="datetimeFigureOut">
               <a:rPr lang="en-IN" smtClean="0"/>
-              <a:t>23-08-2022</a:t>
+              <a:t>15-11-2022</a:t>
             </a:fld>
             <a:endParaRPr lang="en-IN"/>
           </a:p>
@@ -405,7 +405,7 @@
           <a:p>
             <a:fld id="{EA89CDE9-15B3-4418-B829-6A0B102FE7D6}" type="datetimeFigureOut">
               <a:rPr lang="en-IN" smtClean="0"/>
-              <a:t>23-08-2022</a:t>
+              <a:t>15-11-2022</a:t>
             </a:fld>
             <a:endParaRPr lang="en-IN"/>
           </a:p>
@@ -902,7 +902,7 @@
           <a:p>
             <a:fld id="{4610E68D-407F-4C0F-AEE8-3CF649B10F5A}" type="datetime1">
               <a:rPr lang="en-IN" smtClean="0"/>
-              <a:t>23-08-2022</a:t>
+              <a:t>15-11-2022</a:t>
             </a:fld>
             <a:endParaRPr lang="en-IN"/>
           </a:p>
@@ -1076,7 +1076,7 @@
           <a:p>
             <a:fld id="{735FDBA6-16AA-4029-938B-E23760E33E5C}" type="datetime1">
               <a:rPr lang="en-IN" smtClean="0"/>
-              <a:t>23-08-2022</a:t>
+              <a:t>15-11-2022</a:t>
             </a:fld>
             <a:endParaRPr lang="en-IN"/>
           </a:p>
@@ -1257,7 +1257,7 @@
           <a:p>
             <a:fld id="{41F0045F-1A7A-46BC-A0B2-4EC223ABD217}" type="datetime1">
               <a:rPr lang="en-IN" smtClean="0"/>
-              <a:t>23-08-2022</a:t>
+              <a:t>15-11-2022</a:t>
             </a:fld>
             <a:endParaRPr lang="en-IN"/>
           </a:p>
@@ -1428,7 +1428,7 @@
           <a:p>
             <a:fld id="{8851E00B-BE75-42AF-99FB-935A8AD73A1B}" type="datetime1">
               <a:rPr lang="en-IN" smtClean="0"/>
-              <a:t>23-08-2022</a:t>
+              <a:t>15-11-2022</a:t>
             </a:fld>
             <a:endParaRPr lang="en-IN"/>
           </a:p>
@@ -1690,7 +1690,7 @@
           <a:p>
             <a:fld id="{6E4009ED-909E-409F-BDB0-08FE570E7788}" type="datetime1">
               <a:rPr lang="en-IN" smtClean="0"/>
-              <a:t>23-08-2022</a:t>
+              <a:t>15-11-2022</a:t>
             </a:fld>
             <a:endParaRPr lang="en-IN"/>
           </a:p>
@@ -1979,7 +1979,7 @@
           <a:p>
             <a:fld id="{84BDD3DA-25F9-4752-A241-94C44457E7B3}" type="datetime1">
               <a:rPr lang="en-IN" smtClean="0"/>
-              <a:t>23-08-2022</a:t>
+              <a:t>15-11-2022</a:t>
             </a:fld>
             <a:endParaRPr lang="en-IN"/>
           </a:p>
@@ -2422,7 +2422,7 @@
           <a:p>
             <a:fld id="{80DBB5BB-D79D-4C06-A7CC-116F42C3B3E4}" type="datetime1">
               <a:rPr lang="en-IN" smtClean="0"/>
-              <a:t>23-08-2022</a:t>
+              <a:t>15-11-2022</a:t>
             </a:fld>
             <a:endParaRPr lang="en-IN"/>
           </a:p>
@@ -2541,7 +2541,7 @@
           <a:p>
             <a:fld id="{B0C54211-8216-4FF5-90B6-C8509AF3AB9C}" type="datetime1">
               <a:rPr lang="en-IN" smtClean="0"/>
-              <a:t>23-08-2022</a:t>
+              <a:t>15-11-2022</a:t>
             </a:fld>
             <a:endParaRPr lang="en-IN"/>
           </a:p>
@@ -2637,7 +2637,7 @@
           <a:p>
             <a:fld id="{CCCF9F98-4291-467F-AA56-DF72CF30793C}" type="datetime1">
               <a:rPr lang="en-IN" smtClean="0"/>
-              <a:t>23-08-2022</a:t>
+              <a:t>15-11-2022</a:t>
             </a:fld>
             <a:endParaRPr lang="en-IN"/>
           </a:p>
@@ -2926,7 +2926,7 @@
           <a:p>
             <a:fld id="{6D10A0F2-483C-45FC-8434-14AFCC55C208}" type="datetime1">
               <a:rPr lang="en-IN" smtClean="0"/>
-              <a:t>23-08-2022</a:t>
+              <a:t>15-11-2022</a:t>
             </a:fld>
             <a:endParaRPr lang="en-IN"/>
           </a:p>
@@ -3200,7 +3200,7 @@
           <a:p>
             <a:fld id="{BE52F045-0357-48F2-8EB6-A24633447161}" type="datetime1">
               <a:rPr lang="en-IN" smtClean="0"/>
-              <a:t>23-08-2022</a:t>
+              <a:t>15-11-2022</a:t>
             </a:fld>
             <a:endParaRPr lang="en-IN"/>
           </a:p>
@@ -3500,7 +3500,7 @@
           <a:p>
             <a:fld id="{DE290873-265D-46B2-9E77-D2477544299C}" type="datetime1">
               <a:rPr lang="en-IN" smtClean="0"/>
-              <a:t>23-08-2022</a:t>
+              <a:t>15-11-2022</a:t>
             </a:fld>
             <a:endParaRPr lang="en-IN"/>
           </a:p>
@@ -3982,7 +3982,7 @@
         </p:nvSpPr>
         <p:spPr>
           <a:xfrm>
-            <a:off x="2539999" y="1250335"/>
+            <a:off x="2556418" y="2052389"/>
             <a:ext cx="5210629" cy="3794344"/>
           </a:xfrm>
           <a:prstGeom prst="rect">
@@ -4801,316 +4801,6 @@
           </a:extLst>
         </p:spPr>
       </p:pic>
-      <p:sp>
-        <p:nvSpPr>
-          <p:cNvPr id="13" name="Subtitle 2"/>
-          <p:cNvSpPr txBox="1">
-            <a:spLocks/>
-          </p:cNvSpPr>
-          <p:nvPr/>
-        </p:nvSpPr>
-        <p:spPr>
-          <a:xfrm>
-            <a:off x="2708768" y="5257800"/>
-            <a:ext cx="5279531" cy="743169"/>
-          </a:xfrm>
-          <a:prstGeom prst="rect">
-            <a:avLst/>
-          </a:prstGeom>
-        </p:spPr>
-        <p:txBody>
-          <a:bodyPr vert="horz" lIns="91440" tIns="45720" rIns="91440" bIns="45720" rtlCol="0" anchor="t">
-            <a:noAutofit/>
-          </a:bodyPr>
-          <a:lstStyle>
-            <a:lvl1pPr marL="0" indent="0" algn="l" defTabSz="914400" rtl="0" eaLnBrk="1" latinLnBrk="0" hangingPunct="1">
-              <a:lnSpc>
-                <a:spcPct val="90000"/>
-              </a:lnSpc>
-              <a:spcBef>
-                <a:spcPts val="1200"/>
-              </a:spcBef>
-              <a:buClr>
-                <a:schemeClr val="accent1"/>
-              </a:buClr>
-              <a:buFont typeface="Wingdings 2" pitchFamily="18" charset="2"/>
-              <a:buNone/>
-              <a:defRPr sz="2200" kern="1200" cap="none" spc="0" baseline="0">
-                <a:solidFill>
-                  <a:schemeClr val="accent1">
-                    <a:lumMod val="20000"/>
-                    <a:lumOff val="80000"/>
-                  </a:schemeClr>
-                </a:solidFill>
-                <a:latin typeface="+mn-lt"/>
-                <a:ea typeface="+mn-ea"/>
-                <a:cs typeface="+mn-cs"/>
-              </a:defRPr>
-            </a:lvl1pPr>
-            <a:lvl2pPr marL="457200" indent="0" algn="ctr" defTabSz="914400" rtl="0" eaLnBrk="1" latinLnBrk="0" hangingPunct="1">
-              <a:lnSpc>
-                <a:spcPct val="90000"/>
-              </a:lnSpc>
-              <a:spcBef>
-                <a:spcPts val="250"/>
-              </a:spcBef>
-              <a:spcAft>
-                <a:spcPts val="250"/>
-              </a:spcAft>
-              <a:buClr>
-                <a:schemeClr val="accent1"/>
-              </a:buClr>
-              <a:buFont typeface="Wingdings 2" pitchFamily="18" charset="2"/>
-              <a:buNone/>
-              <a:defRPr sz="2200" kern="1200">
-                <a:solidFill>
-                  <a:schemeClr val="tx1">
-                    <a:lumMod val="65000"/>
-                    <a:lumOff val="35000"/>
-                  </a:schemeClr>
-                </a:solidFill>
-                <a:latin typeface="+mn-lt"/>
-                <a:ea typeface="+mn-ea"/>
-                <a:cs typeface="+mn-cs"/>
-              </a:defRPr>
-            </a:lvl2pPr>
-            <a:lvl3pPr marL="914400" indent="0" algn="ctr" defTabSz="914400" rtl="0" eaLnBrk="1" latinLnBrk="0" hangingPunct="1">
-              <a:lnSpc>
-                <a:spcPct val="90000"/>
-              </a:lnSpc>
-              <a:spcBef>
-                <a:spcPts val="250"/>
-              </a:spcBef>
-              <a:spcAft>
-                <a:spcPts val="250"/>
-              </a:spcAft>
-              <a:buClr>
-                <a:schemeClr val="accent1"/>
-              </a:buClr>
-              <a:buFont typeface="Wingdings 2" pitchFamily="18" charset="2"/>
-              <a:buNone/>
-              <a:defRPr sz="2200" kern="1200">
-                <a:solidFill>
-                  <a:schemeClr val="tx1">
-                    <a:lumMod val="65000"/>
-                    <a:lumOff val="35000"/>
-                  </a:schemeClr>
-                </a:solidFill>
-                <a:latin typeface="+mn-lt"/>
-                <a:ea typeface="+mn-ea"/>
-                <a:cs typeface="+mn-cs"/>
-              </a:defRPr>
-            </a:lvl3pPr>
-            <a:lvl4pPr marL="1371600" indent="0" algn="ctr" defTabSz="914400" rtl="0" eaLnBrk="1" latinLnBrk="0" hangingPunct="1">
-              <a:lnSpc>
-                <a:spcPct val="90000"/>
-              </a:lnSpc>
-              <a:spcBef>
-                <a:spcPts val="250"/>
-              </a:spcBef>
-              <a:spcAft>
-                <a:spcPts val="250"/>
-              </a:spcAft>
-              <a:buClr>
-                <a:schemeClr val="accent1"/>
-              </a:buClr>
-              <a:buFont typeface="Wingdings 2" pitchFamily="18" charset="2"/>
-              <a:buNone/>
-              <a:defRPr sz="2000" kern="1200">
-                <a:solidFill>
-                  <a:schemeClr val="tx1">
-                    <a:lumMod val="65000"/>
-                    <a:lumOff val="35000"/>
-                  </a:schemeClr>
-                </a:solidFill>
-                <a:latin typeface="+mn-lt"/>
-                <a:ea typeface="+mn-ea"/>
-                <a:cs typeface="+mn-cs"/>
-              </a:defRPr>
-            </a:lvl4pPr>
-            <a:lvl5pPr marL="1828800" indent="0" algn="ctr" defTabSz="914400" rtl="0" eaLnBrk="1" latinLnBrk="0" hangingPunct="1">
-              <a:lnSpc>
-                <a:spcPct val="90000"/>
-              </a:lnSpc>
-              <a:spcBef>
-                <a:spcPts val="250"/>
-              </a:spcBef>
-              <a:spcAft>
-                <a:spcPts val="250"/>
-              </a:spcAft>
-              <a:buClr>
-                <a:schemeClr val="accent1"/>
-              </a:buClr>
-              <a:buFont typeface="Wingdings 2" pitchFamily="18" charset="2"/>
-              <a:buNone/>
-              <a:defRPr sz="2000" kern="1200">
-                <a:solidFill>
-                  <a:schemeClr val="tx1">
-                    <a:lumMod val="65000"/>
-                    <a:lumOff val="35000"/>
-                  </a:schemeClr>
-                </a:solidFill>
-                <a:latin typeface="+mn-lt"/>
-                <a:ea typeface="+mn-ea"/>
-                <a:cs typeface="+mn-cs"/>
-              </a:defRPr>
-            </a:lvl5pPr>
-            <a:lvl6pPr marL="2286000" indent="0" algn="ctr" defTabSz="914400" rtl="0" eaLnBrk="1" latinLnBrk="0" hangingPunct="1">
-              <a:lnSpc>
-                <a:spcPct val="90000"/>
-              </a:lnSpc>
-              <a:spcBef>
-                <a:spcPts val="250"/>
-              </a:spcBef>
-              <a:spcAft>
-                <a:spcPts val="250"/>
-              </a:spcAft>
-              <a:buClr>
-                <a:schemeClr val="accent1"/>
-              </a:buClr>
-              <a:buFont typeface="Wingdings 2" pitchFamily="18" charset="2"/>
-              <a:buNone/>
-              <a:defRPr sz="2000" kern="1200">
-                <a:solidFill>
-                  <a:schemeClr val="tx1">
-                    <a:lumMod val="65000"/>
-                    <a:lumOff val="35000"/>
-                  </a:schemeClr>
-                </a:solidFill>
-                <a:latin typeface="+mn-lt"/>
-                <a:ea typeface="+mn-ea"/>
-                <a:cs typeface="+mn-cs"/>
-              </a:defRPr>
-            </a:lvl6pPr>
-            <a:lvl7pPr marL="2743200" indent="0" algn="ctr" defTabSz="914400" rtl="0" eaLnBrk="1" latinLnBrk="0" hangingPunct="1">
-              <a:lnSpc>
-                <a:spcPct val="90000"/>
-              </a:lnSpc>
-              <a:spcBef>
-                <a:spcPts val="250"/>
-              </a:spcBef>
-              <a:spcAft>
-                <a:spcPts val="250"/>
-              </a:spcAft>
-              <a:buClr>
-                <a:schemeClr val="accent1"/>
-              </a:buClr>
-              <a:buFont typeface="Wingdings 2" pitchFamily="18" charset="2"/>
-              <a:buNone/>
-              <a:defRPr sz="2000" kern="1200">
-                <a:solidFill>
-                  <a:schemeClr val="tx1">
-                    <a:lumMod val="65000"/>
-                    <a:lumOff val="35000"/>
-                  </a:schemeClr>
-                </a:solidFill>
-                <a:latin typeface="+mn-lt"/>
-                <a:ea typeface="+mn-ea"/>
-                <a:cs typeface="+mn-cs"/>
-              </a:defRPr>
-            </a:lvl7pPr>
-            <a:lvl8pPr marL="3200400" indent="0" algn="ctr" defTabSz="914400" rtl="0" eaLnBrk="1" latinLnBrk="0" hangingPunct="1">
-              <a:lnSpc>
-                <a:spcPct val="90000"/>
-              </a:lnSpc>
-              <a:spcBef>
-                <a:spcPts val="250"/>
-              </a:spcBef>
-              <a:spcAft>
-                <a:spcPts val="250"/>
-              </a:spcAft>
-              <a:buClr>
-                <a:schemeClr val="accent1"/>
-              </a:buClr>
-              <a:buFont typeface="Wingdings 2" pitchFamily="18" charset="2"/>
-              <a:buNone/>
-              <a:defRPr sz="2000" kern="1200">
-                <a:solidFill>
-                  <a:schemeClr val="tx1">
-                    <a:lumMod val="65000"/>
-                    <a:lumOff val="35000"/>
-                  </a:schemeClr>
-                </a:solidFill>
-                <a:latin typeface="+mn-lt"/>
-                <a:ea typeface="+mn-ea"/>
-                <a:cs typeface="+mn-cs"/>
-              </a:defRPr>
-            </a:lvl8pPr>
-            <a:lvl9pPr marL="3657600" indent="0" algn="ctr" defTabSz="914400" rtl="0" eaLnBrk="1" latinLnBrk="0" hangingPunct="1">
-              <a:lnSpc>
-                <a:spcPct val="90000"/>
-              </a:lnSpc>
-              <a:spcBef>
-                <a:spcPts val="250"/>
-              </a:spcBef>
-              <a:spcAft>
-                <a:spcPts val="250"/>
-              </a:spcAft>
-              <a:buClr>
-                <a:schemeClr val="accent1"/>
-              </a:buClr>
-              <a:buFont typeface="Wingdings 2" pitchFamily="18" charset="2"/>
-              <a:buNone/>
-              <a:defRPr sz="2000" kern="1200">
-                <a:solidFill>
-                  <a:schemeClr val="tx1">
-                    <a:lumMod val="65000"/>
-                    <a:lumOff val="35000"/>
-                  </a:schemeClr>
-                </a:solidFill>
-                <a:latin typeface="+mn-lt"/>
-                <a:ea typeface="+mn-ea"/>
-                <a:cs typeface="+mn-cs"/>
-              </a:defRPr>
-            </a:lvl9pPr>
-          </a:lstStyle>
-          <a:p>
-            <a:pPr algn="ctr"/>
-            <a:r>
-              <a:rPr lang="en-IN" sz="4800" b="1" dirty="0" err="1" smtClean="0">
-                <a:ln>
-                  <a:solidFill>
-                    <a:schemeClr val="accent1">
-                      <a:lumMod val="50000"/>
-                    </a:schemeClr>
-                  </a:solidFill>
-                </a:ln>
-                <a:solidFill>
-                  <a:schemeClr val="bg1"/>
-                </a:solidFill>
-              </a:rPr>
-              <a:t>Jatin</a:t>
-            </a:r>
-            <a:r>
-              <a:rPr lang="en-IN" sz="4800" b="1" dirty="0" smtClean="0">
-                <a:ln>
-                  <a:solidFill>
-                    <a:schemeClr val="accent1">
-                      <a:lumMod val="50000"/>
-                    </a:schemeClr>
-                  </a:solidFill>
-                </a:ln>
-                <a:solidFill>
-                  <a:schemeClr val="bg1"/>
-                </a:solidFill>
-              </a:rPr>
-              <a:t> Ambasana</a:t>
-            </a:r>
-            <a:endParaRPr lang="en-IN" sz="4800" b="1" dirty="0">
-              <a:ln>
-                <a:solidFill>
-                  <a:schemeClr val="accent1">
-                    <a:lumMod val="50000"/>
-                  </a:schemeClr>
-                </a:solidFill>
-              </a:ln>
-              <a:solidFill>
-                <a:schemeClr val="bg1"/>
-              </a:solidFill>
-            </a:endParaRPr>
-          </a:p>
-        </p:txBody>
-      </p:sp>
       <p:sp>
         <p:nvSpPr>
           <p:cNvPr id="2" name="AutoShape 2" descr="Develop Java applications with Oracle Database"/>
@@ -10205,8 +9895,8 @@
 <file path=ppt/tags/tag1.xml><?xml version="1.0" encoding="utf-8"?>
 <p:tagLst xmlns:a="http://schemas.openxmlformats.org/drawingml/2006/main" xmlns:r="http://schemas.openxmlformats.org/officeDocument/2006/relationships" xmlns:p="http://schemas.openxmlformats.org/presentationml/2006/main">
   <p:tag name="ARTICULATE_DESIGN_ID_FRAME" val="swDPPbbH"/>
+  <p:tag name="ARTICULATE_SLIDE_COUNT" val="24"/>
   <p:tag name="ARTICULATE_PROJECT_OPEN" val="0"/>
-  <p:tag name="ARTICULATE_SLIDE_COUNT" val="24"/>
 </p:tagLst>
 </file>
 
